--- a/SQL Saturday - Denver 2018/SQL Server Health Check/SQL Server Health check - Denver.pptx
+++ b/SQL Saturday - Denver 2018/SQL Server Health Check/SQL Server Health check - Denver.pptx
@@ -9347,7 +9347,7 @@
           <a:graphicData uri="http://schemas.openxmlformats.org/presentationml/2006/ole">
             <mc:AlternateContent xmlns:mc="http://schemas.openxmlformats.org/markup-compatibility/2006">
               <mc:Choice xmlns:v="urn:schemas-microsoft-com:vml" Requires="v">
-                <p:oleObj spid="_x0000_s1026" name="Image" r:id="rId10" imgW="2279520" imgH="1310400" progId="Photoshop.Image.18">
+                <p:oleObj spid="_x0000_s1027" name="Image" r:id="rId10" imgW="2279520" imgH="1310400" progId="Photoshop.Image.18">
                   <p:embed/>
                 </p:oleObj>
               </mc:Choice>
